--- a/visitas_stg/static/ppt/Reporte_Estado_sisef.pptx
+++ b/visitas_stg/static/ppt/Reporte_Estado_sisef.pptx
@@ -225,7 +225,7 @@
           <a:p>
             <a:fld id="{A12F159B-2BA9-4A4C-8F37-6A12CA4521B5}" type="datetimeFigureOut">
               <a:rPr lang="es-MX" smtClean="0"/>
-              <a:t>24/10/2015</a:t>
+              <a:t>26/10/2015</a:t>
             </a:fld>
             <a:endParaRPr lang="es-MX"/>
           </a:p>
@@ -390,7 +390,7 @@
           <a:p>
             <a:fld id="{E725DF0C-0434-4166-AFB2-E9FB5C8C5747}" type="datetimeFigureOut">
               <a:rPr lang="es-MX" smtClean="0"/>
-              <a:t>24/10/2015</a:t>
+              <a:t>26/10/2015</a:t>
             </a:fld>
             <a:endParaRPr lang="es-MX"/>
           </a:p>
@@ -853,7 +853,7 @@
           <a:p>
             <a:fld id="{F4C741E7-0659-46B3-91BB-B8C3B98C4B5D}" type="datetimeFigureOut">
               <a:rPr lang="es-MX" smtClean="0"/>
-              <a:t>24/10/2015</a:t>
+              <a:t>26/10/2015</a:t>
             </a:fld>
             <a:endParaRPr lang="es-MX"/>
           </a:p>
@@ -1070,7 +1070,7 @@
           <a:p>
             <a:fld id="{F4C741E7-0659-46B3-91BB-B8C3B98C4B5D}" type="datetimeFigureOut">
               <a:rPr lang="es-MX" smtClean="0"/>
-              <a:t>24/10/2015</a:t>
+              <a:t>26/10/2015</a:t>
             </a:fld>
             <a:endParaRPr lang="es-MX"/>
           </a:p>
@@ -1280,7 +1280,7 @@
           <a:p>
             <a:fld id="{F4C741E7-0659-46B3-91BB-B8C3B98C4B5D}" type="datetimeFigureOut">
               <a:rPr lang="es-MX" smtClean="0"/>
-              <a:t>24/10/2015</a:t>
+              <a:t>26/10/2015</a:t>
             </a:fld>
             <a:endParaRPr lang="es-MX"/>
           </a:p>
@@ -1490,7 +1490,7 @@
           <a:p>
             <a:fld id="{F4C741E7-0659-46B3-91BB-B8C3B98C4B5D}" type="datetimeFigureOut">
               <a:rPr lang="es-MX" smtClean="0"/>
-              <a:t>24/10/2015</a:t>
+              <a:t>26/10/2015</a:t>
             </a:fld>
             <a:endParaRPr lang="es-MX"/>
           </a:p>
@@ -1766,7 +1766,7 @@
           <a:p>
             <a:fld id="{F4C741E7-0659-46B3-91BB-B8C3B98C4B5D}" type="datetimeFigureOut">
               <a:rPr lang="es-MX" smtClean="0"/>
-              <a:t>24/10/2015</a:t>
+              <a:t>26/10/2015</a:t>
             </a:fld>
             <a:endParaRPr lang="es-MX"/>
           </a:p>
@@ -2092,7 +2092,7 @@
           <a:p>
             <a:fld id="{F4C741E7-0659-46B3-91BB-B8C3B98C4B5D}" type="datetimeFigureOut">
               <a:rPr lang="es-MX" smtClean="0"/>
-              <a:t>24/10/2015</a:t>
+              <a:t>26/10/2015</a:t>
             </a:fld>
             <a:endParaRPr lang="es-MX"/>
           </a:p>
@@ -2558,7 +2558,7 @@
           <a:p>
             <a:fld id="{F4C741E7-0659-46B3-91BB-B8C3B98C4B5D}" type="datetimeFigureOut">
               <a:rPr lang="es-MX" smtClean="0"/>
-              <a:t>24/10/2015</a:t>
+              <a:t>26/10/2015</a:t>
             </a:fld>
             <a:endParaRPr lang="es-MX"/>
           </a:p>
@@ -2708,7 +2708,7 @@
           <a:p>
             <a:fld id="{F4C741E7-0659-46B3-91BB-B8C3B98C4B5D}" type="datetimeFigureOut">
               <a:rPr lang="es-MX" smtClean="0"/>
-              <a:t>24/10/2015</a:t>
+              <a:t>26/10/2015</a:t>
             </a:fld>
             <a:endParaRPr lang="es-MX"/>
           </a:p>
@@ -2827,7 +2827,7 @@
           <a:p>
             <a:fld id="{F4C741E7-0659-46B3-91BB-B8C3B98C4B5D}" type="datetimeFigureOut">
               <a:rPr lang="es-MX" smtClean="0"/>
-              <a:t>24/10/2015</a:t>
+              <a:t>26/10/2015</a:t>
             </a:fld>
             <a:endParaRPr lang="es-MX"/>
           </a:p>
@@ -3137,7 +3137,7 @@
           <a:p>
             <a:fld id="{F4C741E7-0659-46B3-91BB-B8C3B98C4B5D}" type="datetimeFigureOut">
               <a:rPr lang="es-MX" smtClean="0"/>
-              <a:t>24/10/2015</a:t>
+              <a:t>26/10/2015</a:t>
             </a:fld>
             <a:endParaRPr lang="es-MX"/>
           </a:p>
@@ -3423,7 +3423,7 @@
           <a:p>
             <a:fld id="{F4C741E7-0659-46B3-91BB-B8C3B98C4B5D}" type="datetimeFigureOut">
               <a:rPr lang="es-MX" smtClean="0"/>
-              <a:t>24/10/2015</a:t>
+              <a:t>26/10/2015</a:t>
             </a:fld>
             <a:endParaRPr lang="es-MX"/>
           </a:p>
@@ -6856,11 +6856,6 @@
               </a:rPr>
               <a:t>x</a:t>
             </a:r>
-            <a:endParaRPr lang="es-MX" sz="800" b="1" dirty="0">
-              <a:latin typeface="Verdana" panose="020B0604030504040204" pitchFamily="34" charset="0"/>
-              <a:ea typeface="Verdana" panose="020B0604030504040204" pitchFamily="34" charset="0"/>
-              <a:cs typeface="Verdana" panose="020B0604030504040204" pitchFamily="34" charset="0"/>
-            </a:endParaRPr>
           </a:p>
         </p:txBody>
       </p:sp>
@@ -6904,44 +6899,6 @@
       </p:sp>
       <p:sp>
         <p:nvSpPr>
-          <p:cNvPr id="33" name="32 CuadroTexto"/>
-          <p:cNvSpPr txBox="1"/>
-          <p:nvPr/>
-        </p:nvSpPr>
-        <p:spPr>
-          <a:xfrm>
-            <a:off x="4275887" y="1343969"/>
-            <a:ext cx="1476000" cy="195814"/>
-          </a:xfrm>
-          <a:prstGeom prst="rect">
-            <a:avLst/>
-          </a:prstGeom>
-          <a:noFill/>
-        </p:spPr>
-        <p:txBody>
-          <a:bodyPr wrap="square" lIns="36000" tIns="36000" rIns="36000" bIns="36000" rtlCol="0">
-            <a:spAutoFit/>
-          </a:bodyPr>
-          <a:lstStyle/>
-          <a:p>
-            <a:r>
-              <a:rPr lang="es-MX" sz="800" b="1" dirty="0" smtClean="0">
-                <a:latin typeface="Verdana" panose="020B0604030504040204" pitchFamily="34" charset="0"/>
-                <a:ea typeface="Verdana" panose="020B0604030504040204" pitchFamily="34" charset="0"/>
-                <a:cs typeface="Verdana" panose="020B0604030504040204" pitchFamily="34" charset="0"/>
-              </a:rPr>
-              <a:t>x</a:t>
-            </a:r>
-            <a:endParaRPr lang="es-MX" sz="800" b="1" dirty="0">
-              <a:latin typeface="Verdana" panose="020B0604030504040204" pitchFamily="34" charset="0"/>
-              <a:ea typeface="Verdana" panose="020B0604030504040204" pitchFamily="34" charset="0"/>
-              <a:cs typeface="Verdana" panose="020B0604030504040204" pitchFamily="34" charset="0"/>
-            </a:endParaRPr>
-          </a:p>
-        </p:txBody>
-      </p:sp>
-      <p:sp>
-        <p:nvSpPr>
           <p:cNvPr id="31" name="30 CuadroTexto"/>
           <p:cNvSpPr txBox="1"/>
           <p:nvPr/>
@@ -6970,11 +6927,6 @@
               </a:rPr>
               <a:t>x</a:t>
             </a:r>
-            <a:endParaRPr lang="es-MX" sz="800" b="1" dirty="0">
-              <a:latin typeface="Verdana" panose="020B0604030504040204" pitchFamily="34" charset="0"/>
-              <a:ea typeface="Verdana" panose="020B0604030504040204" pitchFamily="34" charset="0"/>
-              <a:cs typeface="Verdana" panose="020B0604030504040204" pitchFamily="34" charset="0"/>
-            </a:endParaRPr>
           </a:p>
         </p:txBody>
       </p:sp>
@@ -7008,11 +6960,6 @@
               </a:rPr>
               <a:t>x</a:t>
             </a:r>
-            <a:endParaRPr lang="es-MX" sz="800" b="1" dirty="0">
-              <a:latin typeface="Verdana" panose="020B0604030504040204" pitchFamily="34" charset="0"/>
-              <a:ea typeface="Verdana" panose="020B0604030504040204" pitchFamily="34" charset="0"/>
-              <a:cs typeface="Verdana" panose="020B0604030504040204" pitchFamily="34" charset="0"/>
-            </a:endParaRPr>
           </a:p>
         </p:txBody>
       </p:sp>
@@ -7160,7 +7107,7 @@
           <p:nvPr>
             <p:extLst>
               <p:ext uri="{D42A27DB-BD31-4B8C-83A1-F6EECF244321}">
-                <p14:modId xmlns:p14="http://schemas.microsoft.com/office/powerpoint/2010/main" val="3240843868"/>
+                <p14:modId xmlns:p14="http://schemas.microsoft.com/office/powerpoint/2010/main" val="2863359421"/>
               </p:ext>
             </p:extLst>
           </p:nvPr>
@@ -7319,17 +7266,6 @@
                     <a:bodyPr/>
                     <a:lstStyle/>
                     <a:p>
-                      <a:r>
-                        <a:rPr lang="es-MX" sz="800" dirty="0" smtClean="0">
-                          <a:solidFill>
-                            <a:schemeClr val="tx1"/>
-                          </a:solidFill>
-                          <a:latin typeface="Verdana" panose="020B0604030504040204" pitchFamily="34" charset="0"/>
-                          <a:ea typeface="Verdana" panose="020B0604030504040204" pitchFamily="34" charset="0"/>
-                          <a:cs typeface="Verdana" panose="020B0604030504040204" pitchFamily="34" charset="0"/>
-                        </a:rPr>
-                        <a:t>Partido Gobernante:</a:t>
-                      </a:r>
                       <a:endParaRPr lang="es-MX" sz="800" dirty="0">
                         <a:solidFill>
                           <a:schemeClr val="tx1"/>
@@ -7589,6 +7525,162 @@
           <a:p>
             <a:pPr algn="ctr"/>
             <a:endParaRPr lang="es-MX"/>
+          </a:p>
+        </p:txBody>
+      </p:sp>
+      <p:sp>
+        <p:nvSpPr>
+          <p:cNvPr id="21" name="93 CuadroTexto"/>
+          <p:cNvSpPr txBox="1"/>
+          <p:nvPr/>
+        </p:nvSpPr>
+        <p:spPr>
+          <a:xfrm>
+            <a:off x="6769346" y="4011953"/>
+            <a:ext cx="1395807" cy="215444"/>
+          </a:xfrm>
+          <a:prstGeom prst="rect">
+            <a:avLst/>
+          </a:prstGeom>
+          <a:noFill/>
+        </p:spPr>
+        <p:txBody>
+          <a:bodyPr wrap="square" rtlCol="0">
+            <a:spAutoFit/>
+          </a:bodyPr>
+          <a:lstStyle/>
+          <a:p>
+            <a:pPr algn="ctr"/>
+            <a:r>
+              <a:rPr lang="es-MX" sz="800" b="1" dirty="0" smtClean="0">
+                <a:latin typeface="Verdana" panose="020B0604030504040204" pitchFamily="34" charset="0"/>
+                <a:ea typeface="Verdana" panose="020B0604030504040204" pitchFamily="34" charset="0"/>
+                <a:cs typeface="Verdana" panose="020B0604030504040204" pitchFamily="34" charset="0"/>
+              </a:rPr>
+              <a:t>Actividades</a:t>
+            </a:r>
+            <a:endParaRPr lang="es-MX" sz="800" b="1" dirty="0">
+              <a:latin typeface="Verdana" panose="020B0604030504040204" pitchFamily="34" charset="0"/>
+              <a:ea typeface="Verdana" panose="020B0604030504040204" pitchFamily="34" charset="0"/>
+              <a:cs typeface="Verdana" panose="020B0604030504040204" pitchFamily="34" charset="0"/>
+            </a:endParaRPr>
+          </a:p>
+        </p:txBody>
+      </p:sp>
+      <p:sp>
+        <p:nvSpPr>
+          <p:cNvPr id="22" name="93 CuadroTexto"/>
+          <p:cNvSpPr txBox="1"/>
+          <p:nvPr/>
+        </p:nvSpPr>
+        <p:spPr>
+          <a:xfrm>
+            <a:off x="152225" y="5794278"/>
+            <a:ext cx="4054222" cy="215444"/>
+          </a:xfrm>
+          <a:prstGeom prst="rect">
+            <a:avLst/>
+          </a:prstGeom>
+          <a:noFill/>
+        </p:spPr>
+        <p:txBody>
+          <a:bodyPr wrap="square" rtlCol="0">
+            <a:spAutoFit/>
+          </a:bodyPr>
+          <a:lstStyle/>
+          <a:p>
+            <a:pPr algn="ctr"/>
+            <a:r>
+              <a:rPr lang="es-MX" sz="800" b="1" dirty="0" smtClean="0">
+                <a:latin typeface="Verdana" panose="020B0604030504040204" pitchFamily="34" charset="0"/>
+                <a:ea typeface="Verdana" panose="020B0604030504040204" pitchFamily="34" charset="0"/>
+                <a:cs typeface="Verdana" panose="020B0604030504040204" pitchFamily="34" charset="0"/>
+              </a:rPr>
+              <a:t>Problemática Sociopolítica</a:t>
+            </a:r>
+            <a:endParaRPr lang="es-MX" sz="800" b="1" dirty="0">
+              <a:latin typeface="Verdana" panose="020B0604030504040204" pitchFamily="34" charset="0"/>
+              <a:ea typeface="Verdana" panose="020B0604030504040204" pitchFamily="34" charset="0"/>
+              <a:cs typeface="Verdana" panose="020B0604030504040204" pitchFamily="34" charset="0"/>
+            </a:endParaRPr>
+          </a:p>
+        </p:txBody>
+      </p:sp>
+      <p:sp>
+        <p:nvSpPr>
+          <p:cNvPr id="23" name="93 CuadroTexto"/>
+          <p:cNvSpPr txBox="1"/>
+          <p:nvPr/>
+        </p:nvSpPr>
+        <p:spPr>
+          <a:xfrm>
+            <a:off x="115814" y="6021288"/>
+            <a:ext cx="4054222" cy="707886"/>
+          </a:xfrm>
+          <a:prstGeom prst="rect">
+            <a:avLst/>
+          </a:prstGeom>
+          <a:noFill/>
+        </p:spPr>
+        <p:txBody>
+          <a:bodyPr wrap="square" rtlCol="0">
+            <a:spAutoFit/>
+          </a:bodyPr>
+          <a:lstStyle/>
+          <a:p>
+            <a:pPr marL="171450" indent="-171450" algn="just">
+              <a:buFont typeface="Wingdings" panose="05000000000000000000" pitchFamily="2" charset="2"/>
+              <a:buChar char="q"/>
+            </a:pPr>
+            <a:endParaRPr lang="es-MX" sz="800" dirty="0">
+              <a:latin typeface="Verdana" panose="020B0604030504040204" pitchFamily="34" charset="0"/>
+              <a:ea typeface="Verdana" panose="020B0604030504040204" pitchFamily="34" charset="0"/>
+              <a:cs typeface="Verdana" panose="020B0604030504040204" pitchFamily="34" charset="0"/>
+            </a:endParaRPr>
+          </a:p>
+          <a:p>
+            <a:pPr marL="171450" indent="-171450" algn="just">
+              <a:buFont typeface="Wingdings" panose="05000000000000000000" pitchFamily="2" charset="2"/>
+              <a:buChar char="q"/>
+            </a:pPr>
+            <a:endParaRPr lang="es-MX" sz="800" dirty="0" smtClean="0">
+              <a:latin typeface="Verdana" panose="020B0604030504040204" pitchFamily="34" charset="0"/>
+              <a:ea typeface="Verdana" panose="020B0604030504040204" pitchFamily="34" charset="0"/>
+              <a:cs typeface="Verdana" panose="020B0604030504040204" pitchFamily="34" charset="0"/>
+            </a:endParaRPr>
+          </a:p>
+          <a:p>
+            <a:pPr marL="171450" indent="-171450" algn="just">
+              <a:buFont typeface="Wingdings" panose="05000000000000000000" pitchFamily="2" charset="2"/>
+              <a:buChar char="q"/>
+            </a:pPr>
+            <a:endParaRPr lang="es-MX" sz="800" dirty="0">
+              <a:latin typeface="Verdana" panose="020B0604030504040204" pitchFamily="34" charset="0"/>
+              <a:ea typeface="Verdana" panose="020B0604030504040204" pitchFamily="34" charset="0"/>
+              <a:cs typeface="Verdana" panose="020B0604030504040204" pitchFamily="34" charset="0"/>
+            </a:endParaRPr>
+          </a:p>
+          <a:p>
+            <a:pPr marL="171450" indent="-171450" algn="just">
+              <a:buFont typeface="Wingdings" panose="05000000000000000000" pitchFamily="2" charset="2"/>
+              <a:buChar char="q"/>
+            </a:pPr>
+            <a:endParaRPr lang="es-MX" sz="800" dirty="0" smtClean="0">
+              <a:latin typeface="Verdana" panose="020B0604030504040204" pitchFamily="34" charset="0"/>
+              <a:ea typeface="Verdana" panose="020B0604030504040204" pitchFamily="34" charset="0"/>
+              <a:cs typeface="Verdana" panose="020B0604030504040204" pitchFamily="34" charset="0"/>
+            </a:endParaRPr>
+          </a:p>
+          <a:p>
+            <a:pPr marL="171450" indent="-171450" algn="just">
+              <a:buFont typeface="Wingdings" panose="05000000000000000000" pitchFamily="2" charset="2"/>
+              <a:buChar char="q"/>
+            </a:pPr>
+            <a:endParaRPr lang="es-MX" sz="800" dirty="0">
+              <a:latin typeface="Verdana" panose="020B0604030504040204" pitchFamily="34" charset="0"/>
+              <a:ea typeface="Verdana" panose="020B0604030504040204" pitchFamily="34" charset="0"/>
+              <a:cs typeface="Verdana" panose="020B0604030504040204" pitchFamily="34" charset="0"/>
+            </a:endParaRPr>
           </a:p>
         </p:txBody>
       </p:sp>

--- a/visitas_stg/static/ppt/Reporte_Estado_sisef.pptx
+++ b/visitas_stg/static/ppt/Reporte_Estado_sisef.pptx
@@ -225,7 +225,7 @@
           <a:p>
             <a:fld id="{A12F159B-2BA9-4A4C-8F37-6A12CA4521B5}" type="datetimeFigureOut">
               <a:rPr lang="es-MX" smtClean="0"/>
-              <a:t>26/10/2015</a:t>
+              <a:t>08/11/2015</a:t>
             </a:fld>
             <a:endParaRPr lang="es-MX"/>
           </a:p>
@@ -390,7 +390,7 @@
           <a:p>
             <a:fld id="{E725DF0C-0434-4166-AFB2-E9FB5C8C5747}" type="datetimeFigureOut">
               <a:rPr lang="es-MX" smtClean="0"/>
-              <a:t>26/10/2015</a:t>
+              <a:t>08/11/2015</a:t>
             </a:fld>
             <a:endParaRPr lang="es-MX"/>
           </a:p>
@@ -853,7 +853,7 @@
           <a:p>
             <a:fld id="{F4C741E7-0659-46B3-91BB-B8C3B98C4B5D}" type="datetimeFigureOut">
               <a:rPr lang="es-MX" smtClean="0"/>
-              <a:t>26/10/2015</a:t>
+              <a:t>08/11/2015</a:t>
             </a:fld>
             <a:endParaRPr lang="es-MX"/>
           </a:p>
@@ -1070,7 +1070,7 @@
           <a:p>
             <a:fld id="{F4C741E7-0659-46B3-91BB-B8C3B98C4B5D}" type="datetimeFigureOut">
               <a:rPr lang="es-MX" smtClean="0"/>
-              <a:t>26/10/2015</a:t>
+              <a:t>08/11/2015</a:t>
             </a:fld>
             <a:endParaRPr lang="es-MX"/>
           </a:p>
@@ -1280,7 +1280,7 @@
           <a:p>
             <a:fld id="{F4C741E7-0659-46B3-91BB-B8C3B98C4B5D}" type="datetimeFigureOut">
               <a:rPr lang="es-MX" smtClean="0"/>
-              <a:t>26/10/2015</a:t>
+              <a:t>08/11/2015</a:t>
             </a:fld>
             <a:endParaRPr lang="es-MX"/>
           </a:p>
@@ -1490,7 +1490,7 @@
           <a:p>
             <a:fld id="{F4C741E7-0659-46B3-91BB-B8C3B98C4B5D}" type="datetimeFigureOut">
               <a:rPr lang="es-MX" smtClean="0"/>
-              <a:t>26/10/2015</a:t>
+              <a:t>08/11/2015</a:t>
             </a:fld>
             <a:endParaRPr lang="es-MX"/>
           </a:p>
@@ -1766,7 +1766,7 @@
           <a:p>
             <a:fld id="{F4C741E7-0659-46B3-91BB-B8C3B98C4B5D}" type="datetimeFigureOut">
               <a:rPr lang="es-MX" smtClean="0"/>
-              <a:t>26/10/2015</a:t>
+              <a:t>08/11/2015</a:t>
             </a:fld>
             <a:endParaRPr lang="es-MX"/>
           </a:p>
@@ -2092,7 +2092,7 @@
           <a:p>
             <a:fld id="{F4C741E7-0659-46B3-91BB-B8C3B98C4B5D}" type="datetimeFigureOut">
               <a:rPr lang="es-MX" smtClean="0"/>
-              <a:t>26/10/2015</a:t>
+              <a:t>08/11/2015</a:t>
             </a:fld>
             <a:endParaRPr lang="es-MX"/>
           </a:p>
@@ -2558,7 +2558,7 @@
           <a:p>
             <a:fld id="{F4C741E7-0659-46B3-91BB-B8C3B98C4B5D}" type="datetimeFigureOut">
               <a:rPr lang="es-MX" smtClean="0"/>
-              <a:t>26/10/2015</a:t>
+              <a:t>08/11/2015</a:t>
             </a:fld>
             <a:endParaRPr lang="es-MX"/>
           </a:p>
@@ -2708,7 +2708,7 @@
           <a:p>
             <a:fld id="{F4C741E7-0659-46B3-91BB-B8C3B98C4B5D}" type="datetimeFigureOut">
               <a:rPr lang="es-MX" smtClean="0"/>
-              <a:t>26/10/2015</a:t>
+              <a:t>08/11/2015</a:t>
             </a:fld>
             <a:endParaRPr lang="es-MX"/>
           </a:p>
@@ -2827,7 +2827,7 @@
           <a:p>
             <a:fld id="{F4C741E7-0659-46B3-91BB-B8C3B98C4B5D}" type="datetimeFigureOut">
               <a:rPr lang="es-MX" smtClean="0"/>
-              <a:t>26/10/2015</a:t>
+              <a:t>08/11/2015</a:t>
             </a:fld>
             <a:endParaRPr lang="es-MX"/>
           </a:p>
@@ -3137,7 +3137,7 @@
           <a:p>
             <a:fld id="{F4C741E7-0659-46B3-91BB-B8C3B98C4B5D}" type="datetimeFigureOut">
               <a:rPr lang="es-MX" smtClean="0"/>
-              <a:t>26/10/2015</a:t>
+              <a:t>08/11/2015</a:t>
             </a:fld>
             <a:endParaRPr lang="es-MX"/>
           </a:p>
@@ -3423,7 +3423,7 @@
           <a:p>
             <a:fld id="{F4C741E7-0659-46B3-91BB-B8C3B98C4B5D}" type="datetimeFigureOut">
               <a:rPr lang="es-MX" smtClean="0"/>
-              <a:t>26/10/2015</a:t>
+              <a:t>08/11/2015</a:t>
             </a:fld>
             <a:endParaRPr lang="es-MX"/>
           </a:p>
@@ -3951,14 +3951,14 @@
           <p:nvPr>
             <p:extLst>
               <p:ext uri="{D42A27DB-BD31-4B8C-83A1-F6EECF244321}">
-                <p14:modId xmlns:p14="http://schemas.microsoft.com/office/powerpoint/2010/main" val="595952311"/>
+                <p14:modId xmlns:p14="http://schemas.microsoft.com/office/powerpoint/2010/main" val="2352122747"/>
               </p:ext>
             </p:extLst>
           </p:nvPr>
         </p:nvGraphicFramePr>
         <p:xfrm>
           <a:off x="251105" y="1971383"/>
-          <a:ext cx="8614794" cy="1844400"/>
+          <a:ext cx="8614794" cy="2019679"/>
         </p:xfrm>
         <a:graphic>
           <a:graphicData uri="http://schemas.openxmlformats.org/drawingml/2006/table">
@@ -3985,7 +3985,7 @@
                 <a:gridCol w="432048"/>
                 <a:gridCol w="477475"/>
               </a:tblGrid>
-              <a:tr h="303808">
+              <a:tr h="218398">
                 <a:tc>
                   <a:txBody>
                     <a:bodyPr/>
@@ -4365,7 +4365,7 @@
                   <a:tcPr marL="36000" marR="36000" marT="36000" marB="36000"/>
                 </a:tc>
               </a:tr>
-              <a:tr h="272256">
+              <a:tr h="323298">
                 <a:tc>
                   <a:txBody>
                     <a:bodyPr/>
@@ -4613,7 +4613,7 @@
                   <a:tcPr marL="36000" marR="36000" marT="36000" marB="36000"/>
                 </a:tc>
               </a:tr>
-              <a:tr h="244448">
+              <a:tr h="323298">
                 <a:tc>
                   <a:txBody>
                     <a:bodyPr/>
@@ -4861,7 +4861,7 @@
                   <a:tcPr marL="36000" marR="36000" marT="36000" marB="36000"/>
                 </a:tc>
               </a:tr>
-              <a:tr h="288032">
+              <a:tr h="323298">
                 <a:tc>
                   <a:txBody>
                     <a:bodyPr/>
@@ -5109,7 +5109,7 @@
                   <a:tcPr marL="36000" marR="36000" marT="36000" marB="36000"/>
                 </a:tc>
               </a:tr>
-              <a:tr h="277232">
+              <a:tr h="230035">
                 <a:tc>
                   <a:txBody>
                     <a:bodyPr/>
@@ -5357,7 +5357,7 @@
                   <a:tcPr marL="36000" marR="36000" marT="36000" marB="36000"/>
                 </a:tc>
               </a:tr>
-              <a:tr h="271640">
+              <a:tr h="323298">
                 <a:tc>
                   <a:txBody>
                     <a:bodyPr/>
@@ -5369,233 +5369,479 @@
                           <a:ea typeface="Verdana" panose="020B0604030504040204" pitchFamily="34" charset="0"/>
                           <a:cs typeface="Arial" panose="020B0604020202020204" pitchFamily="34" charset="0"/>
                         </a:rPr>
-                        <a:t>Participantes Locales</a:t>
+                        <a:t>Participantes </a:t>
                       </a:r>
-                      <a:endParaRPr lang="es-MX" sz="800" dirty="0">
-                        <a:latin typeface="Arial Narrow" panose="020B0606020202030204" pitchFamily="34" charset="0"/>
-                        <a:ea typeface="Verdana" panose="020B0604030504040204" pitchFamily="34" charset="0"/>
-                        <a:cs typeface="Arial" panose="020B0604020202020204" pitchFamily="34" charset="0"/>
-                      </a:endParaRPr>
-                    </a:p>
-                  </a:txBody>
-                  <a:tcPr marL="36000" marR="36000" marT="36000" marB="36000"/>
-                </a:tc>
-                <a:tc>
-                  <a:txBody>
-                    <a:bodyPr/>
-                    <a:lstStyle/>
-                    <a:p>
-                      <a:endParaRPr lang="es-MX" sz="800" dirty="0">
-                        <a:latin typeface="Arial Narrow" panose="020B0606020202030204" pitchFamily="34" charset="0"/>
-                        <a:ea typeface="Verdana" panose="020B0604030504040204" pitchFamily="34" charset="0"/>
-                        <a:cs typeface="Arial" panose="020B0604020202020204" pitchFamily="34" charset="0"/>
-                      </a:endParaRPr>
-                    </a:p>
-                  </a:txBody>
-                  <a:tcPr marL="36000" marR="36000" marT="36000" marB="36000"/>
-                </a:tc>
-                <a:tc>
-                  <a:txBody>
-                    <a:bodyPr/>
-                    <a:lstStyle/>
-                    <a:p>
-                      <a:endParaRPr lang="es-MX" sz="800" dirty="0">
-                        <a:latin typeface="Arial Narrow" panose="020B0606020202030204" pitchFamily="34" charset="0"/>
-                        <a:ea typeface="Verdana" panose="020B0604030504040204" pitchFamily="34" charset="0"/>
-                        <a:cs typeface="Arial" panose="020B0604020202020204" pitchFamily="34" charset="0"/>
-                      </a:endParaRPr>
-                    </a:p>
-                  </a:txBody>
-                  <a:tcPr marL="36000" marR="36000" marT="36000" marB="36000"/>
-                </a:tc>
-                <a:tc>
-                  <a:txBody>
-                    <a:bodyPr/>
-                    <a:lstStyle/>
-                    <a:p>
-                      <a:endParaRPr lang="es-MX" sz="800" dirty="0">
-                        <a:latin typeface="Arial Narrow" panose="020B0606020202030204" pitchFamily="34" charset="0"/>
-                        <a:ea typeface="Verdana" panose="020B0604030504040204" pitchFamily="34" charset="0"/>
-                        <a:cs typeface="Arial" panose="020B0604020202020204" pitchFamily="34" charset="0"/>
-                      </a:endParaRPr>
-                    </a:p>
-                  </a:txBody>
-                  <a:tcPr marL="36000" marR="36000" marT="36000" marB="36000"/>
-                </a:tc>
-                <a:tc>
-                  <a:txBody>
-                    <a:bodyPr/>
-                    <a:lstStyle/>
-                    <a:p>
-                      <a:endParaRPr lang="es-MX" sz="800" dirty="0">
-                        <a:latin typeface="Arial Narrow" panose="020B0606020202030204" pitchFamily="34" charset="0"/>
-                        <a:ea typeface="Verdana" panose="020B0604030504040204" pitchFamily="34" charset="0"/>
-                        <a:cs typeface="Arial" panose="020B0604020202020204" pitchFamily="34" charset="0"/>
-                      </a:endParaRPr>
-                    </a:p>
-                  </a:txBody>
-                  <a:tcPr marL="36000" marR="36000" marT="36000" marB="36000"/>
-                </a:tc>
-                <a:tc>
-                  <a:txBody>
-                    <a:bodyPr/>
-                    <a:lstStyle/>
-                    <a:p>
-                      <a:endParaRPr lang="es-MX" sz="800" dirty="0">
-                        <a:latin typeface="Arial Narrow" panose="020B0606020202030204" pitchFamily="34" charset="0"/>
-                        <a:ea typeface="Verdana" panose="020B0604030504040204" pitchFamily="34" charset="0"/>
-                        <a:cs typeface="Arial" panose="020B0604020202020204" pitchFamily="34" charset="0"/>
-                      </a:endParaRPr>
-                    </a:p>
-                  </a:txBody>
-                  <a:tcPr marL="36000" marR="36000" marT="36000" marB="36000"/>
-                </a:tc>
-                <a:tc>
-                  <a:txBody>
-                    <a:bodyPr/>
-                    <a:lstStyle/>
-                    <a:p>
-                      <a:endParaRPr lang="es-MX" sz="800" dirty="0">
-                        <a:latin typeface="Arial Narrow" panose="020B0606020202030204" pitchFamily="34" charset="0"/>
-                        <a:ea typeface="Verdana" panose="020B0604030504040204" pitchFamily="34" charset="0"/>
-                        <a:cs typeface="Arial" panose="020B0604020202020204" pitchFamily="34" charset="0"/>
-                      </a:endParaRPr>
-                    </a:p>
-                  </a:txBody>
-                  <a:tcPr marL="36000" marR="36000" marT="36000" marB="36000"/>
-                </a:tc>
-                <a:tc>
-                  <a:txBody>
-                    <a:bodyPr/>
-                    <a:lstStyle/>
-                    <a:p>
-                      <a:endParaRPr lang="es-MX" sz="800" dirty="0">
-                        <a:latin typeface="Arial Narrow" panose="020B0606020202030204" pitchFamily="34" charset="0"/>
-                        <a:ea typeface="Verdana" panose="020B0604030504040204" pitchFamily="34" charset="0"/>
-                        <a:cs typeface="Arial" panose="020B0604020202020204" pitchFamily="34" charset="0"/>
-                      </a:endParaRPr>
-                    </a:p>
-                  </a:txBody>
-                  <a:tcPr marL="36000" marR="36000" marT="36000" marB="36000"/>
-                </a:tc>
-                <a:tc>
-                  <a:txBody>
-                    <a:bodyPr/>
-                    <a:lstStyle/>
-                    <a:p>
-                      <a:endParaRPr lang="es-MX" sz="800" dirty="0">
-                        <a:latin typeface="Arial Narrow" panose="020B0606020202030204" pitchFamily="34" charset="0"/>
-                        <a:ea typeface="Verdana" panose="020B0604030504040204" pitchFamily="34" charset="0"/>
-                        <a:cs typeface="Arial" panose="020B0604020202020204" pitchFamily="34" charset="0"/>
-                      </a:endParaRPr>
-                    </a:p>
-                  </a:txBody>
-                  <a:tcPr marL="36000" marR="36000" marT="36000" marB="36000"/>
-                </a:tc>
-                <a:tc>
-                  <a:txBody>
-                    <a:bodyPr/>
-                    <a:lstStyle/>
-                    <a:p>
-                      <a:endParaRPr lang="es-MX" sz="800" dirty="0">
-                        <a:latin typeface="Arial Narrow" panose="020B0606020202030204" pitchFamily="34" charset="0"/>
-                        <a:ea typeface="Verdana" panose="020B0604030504040204" pitchFamily="34" charset="0"/>
-                        <a:cs typeface="Arial" panose="020B0604020202020204" pitchFamily="34" charset="0"/>
-                      </a:endParaRPr>
-                    </a:p>
-                  </a:txBody>
-                  <a:tcPr marL="36000" marR="36000" marT="36000" marB="36000"/>
-                </a:tc>
-                <a:tc>
-                  <a:txBody>
-                    <a:bodyPr/>
-                    <a:lstStyle/>
-                    <a:p>
-                      <a:endParaRPr lang="es-MX" sz="800" dirty="0">
-                        <a:latin typeface="Arial Narrow" panose="020B0606020202030204" pitchFamily="34" charset="0"/>
-                        <a:ea typeface="Verdana" panose="020B0604030504040204" pitchFamily="34" charset="0"/>
-                        <a:cs typeface="Arial" panose="020B0604020202020204" pitchFamily="34" charset="0"/>
-                      </a:endParaRPr>
-                    </a:p>
-                  </a:txBody>
-                  <a:tcPr marL="36000" marR="36000" marT="36000" marB="36000"/>
-                </a:tc>
-                <a:tc>
-                  <a:txBody>
-                    <a:bodyPr/>
-                    <a:lstStyle/>
-                    <a:p>
-                      <a:endParaRPr lang="es-MX" sz="800" dirty="0">
-                        <a:latin typeface="Arial Narrow" panose="020B0606020202030204" pitchFamily="34" charset="0"/>
-                        <a:ea typeface="Verdana" panose="020B0604030504040204" pitchFamily="34" charset="0"/>
-                        <a:cs typeface="Arial" panose="020B0604020202020204" pitchFamily="34" charset="0"/>
-                      </a:endParaRPr>
-                    </a:p>
-                  </a:txBody>
-                  <a:tcPr marL="36000" marR="36000" marT="36000" marB="36000"/>
-                </a:tc>
-                <a:tc>
-                  <a:txBody>
-                    <a:bodyPr/>
-                    <a:lstStyle/>
-                    <a:p>
-                      <a:endParaRPr lang="es-MX" sz="800" dirty="0">
-                        <a:latin typeface="Arial Narrow" panose="020B0606020202030204" pitchFamily="34" charset="0"/>
-                        <a:ea typeface="Verdana" panose="020B0604030504040204" pitchFamily="34" charset="0"/>
-                        <a:cs typeface="Arial" panose="020B0604020202020204" pitchFamily="34" charset="0"/>
-                      </a:endParaRPr>
-                    </a:p>
-                  </a:txBody>
-                  <a:tcPr marL="36000" marR="36000" marT="36000" marB="36000"/>
-                </a:tc>
-                <a:tc>
-                  <a:txBody>
-                    <a:bodyPr/>
-                    <a:lstStyle/>
-                    <a:p>
-                      <a:endParaRPr lang="es-MX" sz="800" dirty="0">
-                        <a:latin typeface="Arial Narrow" panose="020B0606020202030204" pitchFamily="34" charset="0"/>
-                        <a:ea typeface="Verdana" panose="020B0604030504040204" pitchFamily="34" charset="0"/>
-                        <a:cs typeface="Arial" panose="020B0604020202020204" pitchFamily="34" charset="0"/>
-                      </a:endParaRPr>
-                    </a:p>
-                  </a:txBody>
-                  <a:tcPr marL="36000" marR="36000" marT="36000" marB="36000"/>
-                </a:tc>
-                <a:tc>
-                  <a:txBody>
-                    <a:bodyPr/>
-                    <a:lstStyle/>
-                    <a:p>
-                      <a:endParaRPr lang="es-MX" sz="800" dirty="0">
-                        <a:latin typeface="Arial Narrow" panose="020B0606020202030204" pitchFamily="34" charset="0"/>
-                        <a:ea typeface="Verdana" panose="020B0604030504040204" pitchFamily="34" charset="0"/>
-                        <a:cs typeface="Arial" panose="020B0604020202020204" pitchFamily="34" charset="0"/>
-                      </a:endParaRPr>
-                    </a:p>
-                  </a:txBody>
-                  <a:tcPr marL="36000" marR="36000" marT="36000" marB="36000"/>
-                </a:tc>
-                <a:tc>
-                  <a:txBody>
-                    <a:bodyPr/>
-                    <a:lstStyle/>
-                    <a:p>
-                      <a:endParaRPr lang="es-MX" sz="800" dirty="0">
-                        <a:latin typeface="Arial Narrow" panose="020B0606020202030204" pitchFamily="34" charset="0"/>
-                        <a:ea typeface="Verdana" panose="020B0604030504040204" pitchFamily="34" charset="0"/>
-                        <a:cs typeface="Arial" panose="020B0604020202020204" pitchFamily="34" charset="0"/>
-                      </a:endParaRPr>
-                    </a:p>
-                  </a:txBody>
-                  <a:tcPr marL="36000" marR="36000" marT="36000" marB="36000"/>
-                </a:tc>
-                <a:tc>
-                  <a:txBody>
-                    <a:bodyPr/>
-                    <a:lstStyle/>
-                    <a:p>
-                      <a:endParaRPr lang="es-MX" sz="800" dirty="0">
+                      <a:r>
+                        <a:rPr lang="es-MX" sz="800" dirty="0" smtClean="0">
+                          <a:latin typeface="Arial Narrow" panose="020B0606020202030204" pitchFamily="34" charset="0"/>
+                          <a:ea typeface="Verdana" panose="020B0604030504040204" pitchFamily="34" charset="0"/>
+                          <a:cs typeface="Arial" panose="020B0604020202020204" pitchFamily="34" charset="0"/>
+                        </a:rPr>
+                        <a:t>Locales</a:t>
+                      </a:r>
+                    </a:p>
+                  </a:txBody>
+                  <a:tcPr marL="36000" marR="36000" marT="36000" marB="36000"/>
+                </a:tc>
+                <a:tc>
+                  <a:txBody>
+                    <a:bodyPr/>
+                    <a:lstStyle/>
+                    <a:p>
+                      <a:endParaRPr lang="es-MX" sz="800" dirty="0">
+                        <a:latin typeface="Arial Narrow" panose="020B0606020202030204" pitchFamily="34" charset="0"/>
+                        <a:ea typeface="Verdana" panose="020B0604030504040204" pitchFamily="34" charset="0"/>
+                        <a:cs typeface="Arial" panose="020B0604020202020204" pitchFamily="34" charset="0"/>
+                      </a:endParaRPr>
+                    </a:p>
+                  </a:txBody>
+                  <a:tcPr marL="36000" marR="36000" marT="36000" marB="36000"/>
+                </a:tc>
+                <a:tc>
+                  <a:txBody>
+                    <a:bodyPr/>
+                    <a:lstStyle/>
+                    <a:p>
+                      <a:endParaRPr lang="es-MX" sz="800" dirty="0">
+                        <a:latin typeface="Arial Narrow" panose="020B0606020202030204" pitchFamily="34" charset="0"/>
+                        <a:ea typeface="Verdana" panose="020B0604030504040204" pitchFamily="34" charset="0"/>
+                        <a:cs typeface="Arial" panose="020B0604020202020204" pitchFamily="34" charset="0"/>
+                      </a:endParaRPr>
+                    </a:p>
+                  </a:txBody>
+                  <a:tcPr marL="36000" marR="36000" marT="36000" marB="36000"/>
+                </a:tc>
+                <a:tc>
+                  <a:txBody>
+                    <a:bodyPr/>
+                    <a:lstStyle/>
+                    <a:p>
+                      <a:endParaRPr lang="es-MX" sz="800" dirty="0">
+                        <a:latin typeface="Arial Narrow" panose="020B0606020202030204" pitchFamily="34" charset="0"/>
+                        <a:ea typeface="Verdana" panose="020B0604030504040204" pitchFamily="34" charset="0"/>
+                        <a:cs typeface="Arial" panose="020B0604020202020204" pitchFamily="34" charset="0"/>
+                      </a:endParaRPr>
+                    </a:p>
+                  </a:txBody>
+                  <a:tcPr marL="36000" marR="36000" marT="36000" marB="36000"/>
+                </a:tc>
+                <a:tc>
+                  <a:txBody>
+                    <a:bodyPr/>
+                    <a:lstStyle/>
+                    <a:p>
+                      <a:endParaRPr lang="es-MX" sz="800" dirty="0">
+                        <a:latin typeface="Arial Narrow" panose="020B0606020202030204" pitchFamily="34" charset="0"/>
+                        <a:ea typeface="Verdana" panose="020B0604030504040204" pitchFamily="34" charset="0"/>
+                        <a:cs typeface="Arial" panose="020B0604020202020204" pitchFamily="34" charset="0"/>
+                      </a:endParaRPr>
+                    </a:p>
+                  </a:txBody>
+                  <a:tcPr marL="36000" marR="36000" marT="36000" marB="36000"/>
+                </a:tc>
+                <a:tc>
+                  <a:txBody>
+                    <a:bodyPr/>
+                    <a:lstStyle/>
+                    <a:p>
+                      <a:endParaRPr lang="es-MX" sz="800" dirty="0">
+                        <a:latin typeface="Arial Narrow" panose="020B0606020202030204" pitchFamily="34" charset="0"/>
+                        <a:ea typeface="Verdana" panose="020B0604030504040204" pitchFamily="34" charset="0"/>
+                        <a:cs typeface="Arial" panose="020B0604020202020204" pitchFamily="34" charset="0"/>
+                      </a:endParaRPr>
+                    </a:p>
+                  </a:txBody>
+                  <a:tcPr marL="36000" marR="36000" marT="36000" marB="36000"/>
+                </a:tc>
+                <a:tc>
+                  <a:txBody>
+                    <a:bodyPr/>
+                    <a:lstStyle/>
+                    <a:p>
+                      <a:endParaRPr lang="es-MX" sz="800" dirty="0">
+                        <a:latin typeface="Arial Narrow" panose="020B0606020202030204" pitchFamily="34" charset="0"/>
+                        <a:ea typeface="Verdana" panose="020B0604030504040204" pitchFamily="34" charset="0"/>
+                        <a:cs typeface="Arial" panose="020B0604020202020204" pitchFamily="34" charset="0"/>
+                      </a:endParaRPr>
+                    </a:p>
+                  </a:txBody>
+                  <a:tcPr marL="36000" marR="36000" marT="36000" marB="36000"/>
+                </a:tc>
+                <a:tc>
+                  <a:txBody>
+                    <a:bodyPr/>
+                    <a:lstStyle/>
+                    <a:p>
+                      <a:endParaRPr lang="es-MX" sz="800" dirty="0">
+                        <a:latin typeface="Arial Narrow" panose="020B0606020202030204" pitchFamily="34" charset="0"/>
+                        <a:ea typeface="Verdana" panose="020B0604030504040204" pitchFamily="34" charset="0"/>
+                        <a:cs typeface="Arial" panose="020B0604020202020204" pitchFamily="34" charset="0"/>
+                      </a:endParaRPr>
+                    </a:p>
+                  </a:txBody>
+                  <a:tcPr marL="36000" marR="36000" marT="36000" marB="36000"/>
+                </a:tc>
+                <a:tc>
+                  <a:txBody>
+                    <a:bodyPr/>
+                    <a:lstStyle/>
+                    <a:p>
+                      <a:endParaRPr lang="es-MX" sz="800" dirty="0">
+                        <a:latin typeface="Arial Narrow" panose="020B0606020202030204" pitchFamily="34" charset="0"/>
+                        <a:ea typeface="Verdana" panose="020B0604030504040204" pitchFamily="34" charset="0"/>
+                        <a:cs typeface="Arial" panose="020B0604020202020204" pitchFamily="34" charset="0"/>
+                      </a:endParaRPr>
+                    </a:p>
+                  </a:txBody>
+                  <a:tcPr marL="36000" marR="36000" marT="36000" marB="36000"/>
+                </a:tc>
+                <a:tc>
+                  <a:txBody>
+                    <a:bodyPr/>
+                    <a:lstStyle/>
+                    <a:p>
+                      <a:endParaRPr lang="es-MX" sz="800" dirty="0">
+                        <a:latin typeface="Arial Narrow" panose="020B0606020202030204" pitchFamily="34" charset="0"/>
+                        <a:ea typeface="Verdana" panose="020B0604030504040204" pitchFamily="34" charset="0"/>
+                        <a:cs typeface="Arial" panose="020B0604020202020204" pitchFamily="34" charset="0"/>
+                      </a:endParaRPr>
+                    </a:p>
+                  </a:txBody>
+                  <a:tcPr marL="36000" marR="36000" marT="36000" marB="36000"/>
+                </a:tc>
+                <a:tc>
+                  <a:txBody>
+                    <a:bodyPr/>
+                    <a:lstStyle/>
+                    <a:p>
+                      <a:endParaRPr lang="es-MX" sz="800" dirty="0">
+                        <a:latin typeface="Arial Narrow" panose="020B0606020202030204" pitchFamily="34" charset="0"/>
+                        <a:ea typeface="Verdana" panose="020B0604030504040204" pitchFamily="34" charset="0"/>
+                        <a:cs typeface="Arial" panose="020B0604020202020204" pitchFamily="34" charset="0"/>
+                      </a:endParaRPr>
+                    </a:p>
+                  </a:txBody>
+                  <a:tcPr marL="36000" marR="36000" marT="36000" marB="36000"/>
+                </a:tc>
+                <a:tc>
+                  <a:txBody>
+                    <a:bodyPr/>
+                    <a:lstStyle/>
+                    <a:p>
+                      <a:endParaRPr lang="es-MX" sz="800" dirty="0">
+                        <a:latin typeface="Arial Narrow" panose="020B0606020202030204" pitchFamily="34" charset="0"/>
+                        <a:ea typeface="Verdana" panose="020B0604030504040204" pitchFamily="34" charset="0"/>
+                        <a:cs typeface="Arial" panose="020B0604020202020204" pitchFamily="34" charset="0"/>
+                      </a:endParaRPr>
+                    </a:p>
+                  </a:txBody>
+                  <a:tcPr marL="36000" marR="36000" marT="36000" marB="36000"/>
+                </a:tc>
+                <a:tc>
+                  <a:txBody>
+                    <a:bodyPr/>
+                    <a:lstStyle/>
+                    <a:p>
+                      <a:endParaRPr lang="es-MX" sz="800" dirty="0">
+                        <a:latin typeface="Arial Narrow" panose="020B0606020202030204" pitchFamily="34" charset="0"/>
+                        <a:ea typeface="Verdana" panose="020B0604030504040204" pitchFamily="34" charset="0"/>
+                        <a:cs typeface="Arial" panose="020B0604020202020204" pitchFamily="34" charset="0"/>
+                      </a:endParaRPr>
+                    </a:p>
+                  </a:txBody>
+                  <a:tcPr marL="36000" marR="36000" marT="36000" marB="36000"/>
+                </a:tc>
+                <a:tc>
+                  <a:txBody>
+                    <a:bodyPr/>
+                    <a:lstStyle/>
+                    <a:p>
+                      <a:endParaRPr lang="es-MX" sz="800" dirty="0">
+                        <a:latin typeface="Arial Narrow" panose="020B0606020202030204" pitchFamily="34" charset="0"/>
+                        <a:ea typeface="Verdana" panose="020B0604030504040204" pitchFamily="34" charset="0"/>
+                        <a:cs typeface="Arial" panose="020B0604020202020204" pitchFamily="34" charset="0"/>
+                      </a:endParaRPr>
+                    </a:p>
+                  </a:txBody>
+                  <a:tcPr marL="36000" marR="36000" marT="36000" marB="36000"/>
+                </a:tc>
+                <a:tc>
+                  <a:txBody>
+                    <a:bodyPr/>
+                    <a:lstStyle/>
+                    <a:p>
+                      <a:endParaRPr lang="es-MX" sz="800" dirty="0">
+                        <a:latin typeface="Arial Narrow" panose="020B0606020202030204" pitchFamily="34" charset="0"/>
+                        <a:ea typeface="Verdana" panose="020B0604030504040204" pitchFamily="34" charset="0"/>
+                        <a:cs typeface="Arial" panose="020B0604020202020204" pitchFamily="34" charset="0"/>
+                      </a:endParaRPr>
+                    </a:p>
+                  </a:txBody>
+                  <a:tcPr marL="36000" marR="36000" marT="36000" marB="36000"/>
+                </a:tc>
+                <a:tc>
+                  <a:txBody>
+                    <a:bodyPr/>
+                    <a:lstStyle/>
+                    <a:p>
+                      <a:endParaRPr lang="es-MX" sz="800" dirty="0">
+                        <a:latin typeface="Arial Narrow" panose="020B0606020202030204" pitchFamily="34" charset="0"/>
+                        <a:ea typeface="Verdana" panose="020B0604030504040204" pitchFamily="34" charset="0"/>
+                        <a:cs typeface="Arial" panose="020B0604020202020204" pitchFamily="34" charset="0"/>
+                      </a:endParaRPr>
+                    </a:p>
+                  </a:txBody>
+                  <a:tcPr marL="36000" marR="36000" marT="36000" marB="36000"/>
+                </a:tc>
+                <a:tc>
+                  <a:txBody>
+                    <a:bodyPr/>
+                    <a:lstStyle/>
+                    <a:p>
+                      <a:endParaRPr lang="es-MX" sz="800" dirty="0" smtClean="0">
+                        <a:latin typeface="Arial Narrow" panose="020B0606020202030204" pitchFamily="34" charset="0"/>
+                        <a:ea typeface="Verdana" panose="020B0604030504040204" pitchFamily="34" charset="0"/>
+                        <a:cs typeface="Arial" panose="020B0604020202020204" pitchFamily="34" charset="0"/>
+                      </a:endParaRPr>
+                    </a:p>
+                  </a:txBody>
+                  <a:tcPr marL="36000" marR="36000" marT="36000" marB="36000"/>
+                </a:tc>
+              </a:tr>
+              <a:tr h="278054">
+                <a:tc>
+                  <a:txBody>
+                    <a:bodyPr/>
+                    <a:lstStyle/>
+                    <a:p>
+                      <a:r>
+                        <a:rPr lang="es-MX" sz="800" b="1" i="0" dirty="0" smtClean="0">
+                          <a:latin typeface="Arial Narrow" panose="020B0606020202030204" pitchFamily="34" charset="0"/>
+                          <a:ea typeface="Verdana" panose="020B0604030504040204" pitchFamily="34" charset="0"/>
+                          <a:cs typeface="Arial" panose="020B0604020202020204" pitchFamily="34" charset="0"/>
+                        </a:rPr>
+                        <a:t>Totales</a:t>
+                      </a:r>
+                    </a:p>
+                  </a:txBody>
+                  <a:tcPr marL="36000" marR="36000" marT="36000" marB="36000"/>
+                </a:tc>
+                <a:tc>
+                  <a:txBody>
+                    <a:bodyPr/>
+                    <a:lstStyle/>
+                    <a:p>
+                      <a:endParaRPr lang="es-MX" sz="800" dirty="0">
+                        <a:latin typeface="Arial Narrow" panose="020B0606020202030204" pitchFamily="34" charset="0"/>
+                        <a:ea typeface="Verdana" panose="020B0604030504040204" pitchFamily="34" charset="0"/>
+                        <a:cs typeface="Arial" panose="020B0604020202020204" pitchFamily="34" charset="0"/>
+                      </a:endParaRPr>
+                    </a:p>
+                  </a:txBody>
+                  <a:tcPr marL="36000" marR="36000" marT="36000" marB="36000"/>
+                </a:tc>
+                <a:tc>
+                  <a:txBody>
+                    <a:bodyPr/>
+                    <a:lstStyle/>
+                    <a:p>
+                      <a:endParaRPr lang="es-MX" sz="800" dirty="0">
+                        <a:latin typeface="Arial Narrow" panose="020B0606020202030204" pitchFamily="34" charset="0"/>
+                        <a:ea typeface="Verdana" panose="020B0604030504040204" pitchFamily="34" charset="0"/>
+                        <a:cs typeface="Arial" panose="020B0604020202020204" pitchFamily="34" charset="0"/>
+                      </a:endParaRPr>
+                    </a:p>
+                  </a:txBody>
+                  <a:tcPr marL="36000" marR="36000" marT="36000" marB="36000"/>
+                </a:tc>
+                <a:tc>
+                  <a:txBody>
+                    <a:bodyPr/>
+                    <a:lstStyle/>
+                    <a:p>
+                      <a:endParaRPr lang="es-MX" sz="800" dirty="0">
+                        <a:latin typeface="Arial Narrow" panose="020B0606020202030204" pitchFamily="34" charset="0"/>
+                        <a:ea typeface="Verdana" panose="020B0604030504040204" pitchFamily="34" charset="0"/>
+                        <a:cs typeface="Arial" panose="020B0604020202020204" pitchFamily="34" charset="0"/>
+                      </a:endParaRPr>
+                    </a:p>
+                  </a:txBody>
+                  <a:tcPr marL="36000" marR="36000" marT="36000" marB="36000"/>
+                </a:tc>
+                <a:tc>
+                  <a:txBody>
+                    <a:bodyPr/>
+                    <a:lstStyle/>
+                    <a:p>
+                      <a:endParaRPr lang="es-MX" sz="800" dirty="0">
+                        <a:latin typeface="Arial Narrow" panose="020B0606020202030204" pitchFamily="34" charset="0"/>
+                        <a:ea typeface="Verdana" panose="020B0604030504040204" pitchFamily="34" charset="0"/>
+                        <a:cs typeface="Arial" panose="020B0604020202020204" pitchFamily="34" charset="0"/>
+                      </a:endParaRPr>
+                    </a:p>
+                  </a:txBody>
+                  <a:tcPr marL="36000" marR="36000" marT="36000" marB="36000"/>
+                </a:tc>
+                <a:tc>
+                  <a:txBody>
+                    <a:bodyPr/>
+                    <a:lstStyle/>
+                    <a:p>
+                      <a:endParaRPr lang="es-MX" sz="800" dirty="0">
+                        <a:latin typeface="Arial Narrow" panose="020B0606020202030204" pitchFamily="34" charset="0"/>
+                        <a:ea typeface="Verdana" panose="020B0604030504040204" pitchFamily="34" charset="0"/>
+                        <a:cs typeface="Arial" panose="020B0604020202020204" pitchFamily="34" charset="0"/>
+                      </a:endParaRPr>
+                    </a:p>
+                  </a:txBody>
+                  <a:tcPr marL="36000" marR="36000" marT="36000" marB="36000"/>
+                </a:tc>
+                <a:tc>
+                  <a:txBody>
+                    <a:bodyPr/>
+                    <a:lstStyle/>
+                    <a:p>
+                      <a:endParaRPr lang="es-MX" sz="800" dirty="0">
+                        <a:latin typeface="Arial Narrow" panose="020B0606020202030204" pitchFamily="34" charset="0"/>
+                        <a:ea typeface="Verdana" panose="020B0604030504040204" pitchFamily="34" charset="0"/>
+                        <a:cs typeface="Arial" panose="020B0604020202020204" pitchFamily="34" charset="0"/>
+                      </a:endParaRPr>
+                    </a:p>
+                  </a:txBody>
+                  <a:tcPr marL="36000" marR="36000" marT="36000" marB="36000"/>
+                </a:tc>
+                <a:tc>
+                  <a:txBody>
+                    <a:bodyPr/>
+                    <a:lstStyle/>
+                    <a:p>
+                      <a:endParaRPr lang="es-MX" sz="800" dirty="0">
+                        <a:latin typeface="Arial Narrow" panose="020B0606020202030204" pitchFamily="34" charset="0"/>
+                        <a:ea typeface="Verdana" panose="020B0604030504040204" pitchFamily="34" charset="0"/>
+                        <a:cs typeface="Arial" panose="020B0604020202020204" pitchFamily="34" charset="0"/>
+                      </a:endParaRPr>
+                    </a:p>
+                  </a:txBody>
+                  <a:tcPr marL="36000" marR="36000" marT="36000" marB="36000"/>
+                </a:tc>
+                <a:tc>
+                  <a:txBody>
+                    <a:bodyPr/>
+                    <a:lstStyle/>
+                    <a:p>
+                      <a:endParaRPr lang="es-MX" sz="800" dirty="0">
+                        <a:latin typeface="Arial Narrow" panose="020B0606020202030204" pitchFamily="34" charset="0"/>
+                        <a:ea typeface="Verdana" panose="020B0604030504040204" pitchFamily="34" charset="0"/>
+                        <a:cs typeface="Arial" panose="020B0604020202020204" pitchFamily="34" charset="0"/>
+                      </a:endParaRPr>
+                    </a:p>
+                  </a:txBody>
+                  <a:tcPr marL="36000" marR="36000" marT="36000" marB="36000"/>
+                </a:tc>
+                <a:tc>
+                  <a:txBody>
+                    <a:bodyPr/>
+                    <a:lstStyle/>
+                    <a:p>
+                      <a:endParaRPr lang="es-MX" sz="800" dirty="0">
+                        <a:latin typeface="Arial Narrow" panose="020B0606020202030204" pitchFamily="34" charset="0"/>
+                        <a:ea typeface="Verdana" panose="020B0604030504040204" pitchFamily="34" charset="0"/>
+                        <a:cs typeface="Arial" panose="020B0604020202020204" pitchFamily="34" charset="0"/>
+                      </a:endParaRPr>
+                    </a:p>
+                  </a:txBody>
+                  <a:tcPr marL="36000" marR="36000" marT="36000" marB="36000"/>
+                </a:tc>
+                <a:tc>
+                  <a:txBody>
+                    <a:bodyPr/>
+                    <a:lstStyle/>
+                    <a:p>
+                      <a:endParaRPr lang="es-MX" sz="800" dirty="0">
+                        <a:latin typeface="Arial Narrow" panose="020B0606020202030204" pitchFamily="34" charset="0"/>
+                        <a:ea typeface="Verdana" panose="020B0604030504040204" pitchFamily="34" charset="0"/>
+                        <a:cs typeface="Arial" panose="020B0604020202020204" pitchFamily="34" charset="0"/>
+                      </a:endParaRPr>
+                    </a:p>
+                  </a:txBody>
+                  <a:tcPr marL="36000" marR="36000" marT="36000" marB="36000"/>
+                </a:tc>
+                <a:tc>
+                  <a:txBody>
+                    <a:bodyPr/>
+                    <a:lstStyle/>
+                    <a:p>
+                      <a:endParaRPr lang="es-MX" sz="800" dirty="0">
+                        <a:latin typeface="Arial Narrow" panose="020B0606020202030204" pitchFamily="34" charset="0"/>
+                        <a:ea typeface="Verdana" panose="020B0604030504040204" pitchFamily="34" charset="0"/>
+                        <a:cs typeface="Arial" panose="020B0604020202020204" pitchFamily="34" charset="0"/>
+                      </a:endParaRPr>
+                    </a:p>
+                  </a:txBody>
+                  <a:tcPr marL="36000" marR="36000" marT="36000" marB="36000"/>
+                </a:tc>
+                <a:tc>
+                  <a:txBody>
+                    <a:bodyPr/>
+                    <a:lstStyle/>
+                    <a:p>
+                      <a:endParaRPr lang="es-MX" sz="800" dirty="0">
+                        <a:latin typeface="Arial Narrow" panose="020B0606020202030204" pitchFamily="34" charset="0"/>
+                        <a:ea typeface="Verdana" panose="020B0604030504040204" pitchFamily="34" charset="0"/>
+                        <a:cs typeface="Arial" panose="020B0604020202020204" pitchFamily="34" charset="0"/>
+                      </a:endParaRPr>
+                    </a:p>
+                  </a:txBody>
+                  <a:tcPr marL="36000" marR="36000" marT="36000" marB="36000"/>
+                </a:tc>
+                <a:tc>
+                  <a:txBody>
+                    <a:bodyPr/>
+                    <a:lstStyle/>
+                    <a:p>
+                      <a:endParaRPr lang="es-MX" sz="800" dirty="0">
+                        <a:latin typeface="Arial Narrow" panose="020B0606020202030204" pitchFamily="34" charset="0"/>
+                        <a:ea typeface="Verdana" panose="020B0604030504040204" pitchFamily="34" charset="0"/>
+                        <a:cs typeface="Arial" panose="020B0604020202020204" pitchFamily="34" charset="0"/>
+                      </a:endParaRPr>
+                    </a:p>
+                  </a:txBody>
+                  <a:tcPr marL="36000" marR="36000" marT="36000" marB="36000"/>
+                </a:tc>
+                <a:tc>
+                  <a:txBody>
+                    <a:bodyPr/>
+                    <a:lstStyle/>
+                    <a:p>
+                      <a:endParaRPr lang="es-MX" sz="800" dirty="0">
+                        <a:latin typeface="Arial Narrow" panose="020B0606020202030204" pitchFamily="34" charset="0"/>
+                        <a:ea typeface="Verdana" panose="020B0604030504040204" pitchFamily="34" charset="0"/>
+                        <a:cs typeface="Arial" panose="020B0604020202020204" pitchFamily="34" charset="0"/>
+                      </a:endParaRPr>
+                    </a:p>
+                  </a:txBody>
+                  <a:tcPr marL="36000" marR="36000" marT="36000" marB="36000"/>
+                </a:tc>
+                <a:tc>
+                  <a:txBody>
+                    <a:bodyPr/>
+                    <a:lstStyle/>
+                    <a:p>
+                      <a:endParaRPr lang="es-MX" sz="800" dirty="0">
+                        <a:latin typeface="Arial Narrow" panose="020B0606020202030204" pitchFamily="34" charset="0"/>
+                        <a:ea typeface="Verdana" panose="020B0604030504040204" pitchFamily="34" charset="0"/>
+                        <a:cs typeface="Arial" panose="020B0604020202020204" pitchFamily="34" charset="0"/>
+                      </a:endParaRPr>
+                    </a:p>
+                  </a:txBody>
+                  <a:tcPr marL="36000" marR="36000" marT="36000" marB="36000"/>
+                </a:tc>
+                <a:tc>
+                  <a:txBody>
+                    <a:bodyPr/>
+                    <a:lstStyle/>
+                    <a:p>
+                      <a:endParaRPr lang="es-MX" sz="800" dirty="0" smtClean="0">
                         <a:latin typeface="Arial Narrow" panose="020B0606020202030204" pitchFamily="34" charset="0"/>
                         <a:ea typeface="Verdana" panose="020B0604030504040204" pitchFamily="34" charset="0"/>
                         <a:cs typeface="Arial" panose="020B0604020202020204" pitchFamily="34" charset="0"/>
@@ -5618,13 +5864,13 @@
           <p:nvPr>
             <p:extLst>
               <p:ext uri="{D42A27DB-BD31-4B8C-83A1-F6EECF244321}">
-                <p14:modId xmlns:p14="http://schemas.microsoft.com/office/powerpoint/2010/main" val="1138989865"/>
+                <p14:modId xmlns:p14="http://schemas.microsoft.com/office/powerpoint/2010/main" val="2624769250"/>
               </p:ext>
             </p:extLst>
           </p:nvPr>
         </p:nvGraphicFramePr>
         <p:xfrm>
-          <a:off x="294705" y="4046315"/>
+          <a:off x="294705" y="4141565"/>
           <a:ext cx="3868889" cy="1614933"/>
         </p:xfrm>
         <a:graphic>
@@ -6457,14 +6703,14 @@
           <p:nvPr>
             <p:extLst>
               <p:ext uri="{D42A27DB-BD31-4B8C-83A1-F6EECF244321}">
-                <p14:modId xmlns:p14="http://schemas.microsoft.com/office/powerpoint/2010/main" val="693625371"/>
+                <p14:modId xmlns:p14="http://schemas.microsoft.com/office/powerpoint/2010/main" val="2965999464"/>
               </p:ext>
             </p:extLst>
           </p:nvPr>
         </p:nvGraphicFramePr>
         <p:xfrm>
-          <a:off x="4413434" y="4208398"/>
-          <a:ext cx="1363549" cy="1107310"/>
+          <a:off x="4413434" y="4446523"/>
+          <a:ext cx="1363549" cy="976037"/>
         </p:xfrm>
         <a:graphic>
           <a:graphicData uri="http://schemas.openxmlformats.org/drawingml/2006/table">
@@ -6476,7 +6722,7 @@
                 <a:gridCol w="878646"/>
                 <a:gridCol w="484903"/>
               </a:tblGrid>
-              <a:tr h="288729">
+              <a:tr h="194437">
                 <a:tc>
                   <a:txBody>
                     <a:bodyPr/>
@@ -6524,7 +6770,7 @@
                   <a:tcPr marL="36000" marR="36000" marT="36000" marB="36000"/>
                 </a:tc>
               </a:tr>
-              <a:tr h="289878">
+              <a:tr h="251487">
                 <a:tc>
                   <a:txBody>
                     <a:bodyPr/>
@@ -6554,7 +6800,7 @@
                   <a:tcPr marL="36000" marR="36000" marT="36000" marB="36000"/>
                 </a:tc>
               </a:tr>
-              <a:tr h="239974">
+              <a:tr h="240614">
                 <a:tc>
                   <a:txBody>
                     <a:bodyPr/>
@@ -6584,7 +6830,7 @@
                   <a:tcPr marL="36000" marR="36000" marT="36000" marB="36000"/>
                 </a:tc>
               </a:tr>
-              <a:tr h="288729">
+              <a:tr h="289499">
                 <a:tc>
                   <a:txBody>
                     <a:bodyPr/>
@@ -6627,14 +6873,14 @@
           <p:nvPr>
             <p:extLst>
               <p:ext uri="{D42A27DB-BD31-4B8C-83A1-F6EECF244321}">
-                <p14:modId xmlns:p14="http://schemas.microsoft.com/office/powerpoint/2010/main" val="2253531172"/>
+                <p14:modId xmlns:p14="http://schemas.microsoft.com/office/powerpoint/2010/main" val="4280833525"/>
               </p:ext>
             </p:extLst>
           </p:nvPr>
         </p:nvGraphicFramePr>
         <p:xfrm>
-          <a:off x="4395915" y="5586997"/>
-          <a:ext cx="1378311" cy="1124200"/>
+          <a:off x="4395915" y="5739397"/>
+          <a:ext cx="1378311" cy="934690"/>
         </p:xfrm>
         <a:graphic>
           <a:graphicData uri="http://schemas.openxmlformats.org/drawingml/2006/table">
@@ -6646,7 +6892,7 @@
                 <a:gridCol w="880046"/>
                 <a:gridCol w="498265"/>
               </a:tblGrid>
-              <a:tr h="260104">
+              <a:tr h="179039">
                 <a:tc>
                   <a:txBody>
                     <a:bodyPr/>
@@ -6694,7 +6940,7 @@
                   <a:tcPr marL="36000" marR="36000" marT="36000" marB="36000"/>
                 </a:tc>
               </a:tr>
-              <a:tr h="288032">
+              <a:tr h="240371">
                 <a:tc>
                   <a:txBody>
                     <a:bodyPr/>
@@ -6724,7 +6970,7 @@
                   <a:tcPr marL="36000" marR="36000" marT="36000" marB="36000"/>
                 </a:tc>
               </a:tr>
-              <a:tr h="288032">
+              <a:tr h="234470">
                 <a:tc>
                   <a:txBody>
                     <a:bodyPr/>
@@ -6754,7 +7000,7 @@
                   <a:tcPr marL="36000" marR="36000" marT="36000" marB="36000"/>
                 </a:tc>
               </a:tr>
-              <a:tr h="288032">
+              <a:tr h="265929">
                 <a:tc>
                   <a:txBody>
                     <a:bodyPr/>
@@ -7019,8 +7265,8 @@
         </p:nvSpPr>
         <p:spPr>
           <a:xfrm>
-            <a:off x="203935" y="1727552"/>
-            <a:ext cx="8715123" cy="2148292"/>
+            <a:off x="203935" y="1727551"/>
+            <a:ext cx="8715123" cy="2273343"/>
           </a:xfrm>
           <a:prstGeom prst="rect">
             <a:avLst/>
@@ -7362,8 +7608,8 @@
         </p:nvSpPr>
         <p:spPr>
           <a:xfrm>
-            <a:off x="4361512" y="3968852"/>
-            <a:ext cx="4557546" cy="2778277"/>
+            <a:off x="4361512" y="4069882"/>
+            <a:ext cx="4557546" cy="2677247"/>
           </a:xfrm>
           <a:prstGeom prst="rect">
             <a:avLst/>
@@ -7410,7 +7656,7 @@
         </p:nvSpPr>
         <p:spPr>
           <a:xfrm>
-            <a:off x="4394538" y="3968852"/>
+            <a:off x="4394538" y="4206977"/>
             <a:ext cx="1395807" cy="215444"/>
           </a:xfrm>
           <a:prstGeom prst="rect">
@@ -7449,7 +7695,7 @@
         </p:nvSpPr>
         <p:spPr>
           <a:xfrm>
-            <a:off x="4365925" y="5340486"/>
+            <a:off x="4365925" y="5492886"/>
             <a:ext cx="1427201" cy="215444"/>
           </a:xfrm>
           <a:prstGeom prst="rect">
@@ -7488,7 +7734,7 @@
         </p:nvSpPr>
         <p:spPr>
           <a:xfrm>
-            <a:off x="203936" y="3968853"/>
+            <a:off x="203936" y="4064103"/>
             <a:ext cx="4079750" cy="1764404"/>
           </a:xfrm>
           <a:prstGeom prst="rect">
@@ -7536,7 +7782,7 @@
         </p:nvSpPr>
         <p:spPr>
           <a:xfrm>
-            <a:off x="6769346" y="4011953"/>
+            <a:off x="6769346" y="4221668"/>
             <a:ext cx="1395807" cy="215444"/>
           </a:xfrm>
           <a:prstGeom prst="rect">
@@ -7575,7 +7821,7 @@
         </p:nvSpPr>
         <p:spPr>
           <a:xfrm>
-            <a:off x="152225" y="5794278"/>
+            <a:off x="152225" y="5820702"/>
             <a:ext cx="4054222" cy="215444"/>
           </a:xfrm>
           <a:prstGeom prst="rect">
